--- a/삼촌 채굴관련/채굴일지.pptx
+++ b/삼촌 채굴관련/채굴일지.pptx
@@ -7,6 +7,7 @@
   <p:sldIdLst>
     <p:sldId id="257" r:id="rId2"/>
     <p:sldId id="258" r:id="rId3"/>
+    <p:sldId id="259" r:id="rId4"/>
   </p:sldIdLst>
   <p:sldSz cx="12192000" cy="6858000"/>
   <p:notesSz cx="6858000" cy="9144000"/>
@@ -105,6 +106,22 @@
       </a:defRPr>
     </a:lvl9pPr>
   </p:defaultTextStyle>
+  <p:extLst>
+    <p:ext uri="{EFAFB233-063F-42B5-8137-9DF3F51BA10A}">
+      <p15:sldGuideLst xmlns:p15="http://schemas.microsoft.com/office/powerpoint/2012/main">
+        <p15:guide id="1" orient="horz" pos="2160">
+          <p15:clr>
+            <a:srgbClr val="A4A3A4"/>
+          </p15:clr>
+        </p15:guide>
+        <p15:guide id="2" pos="3840">
+          <p15:clr>
+            <a:srgbClr val="A4A3A4"/>
+          </p15:clr>
+        </p15:guide>
+      </p15:sldGuideLst>
+    </p:ext>
+  </p:extLst>
 </p:presentation>
 </file>
 
@@ -240,7 +257,7 @@
             <a:fld id="{91975C7C-7D7A-4F45-B6F8-B37F0EE6A502}" type="datetimeFigureOut">
               <a:rPr lang="ko-KR" altLang="en-US" smtClean="0"/>
               <a:pPr/>
-              <a:t>2022-05-31</a:t>
+              <a:t>2022-07-05</a:t>
             </a:fld>
             <a:endParaRPr lang="ko-KR" altLang="en-US"/>
           </a:p>
@@ -292,7 +309,7 @@
     </p:spTree>
     <p:extLst>
       <p:ext uri="{BB962C8B-B14F-4D97-AF65-F5344CB8AC3E}">
-        <p14:creationId xmlns:p14="http://schemas.microsoft.com/office/powerpoint/2010/main" xmlns="" val="1203629014"/>
+        <p14:creationId xmlns:p14="http://schemas.microsoft.com/office/powerpoint/2010/main" val="1203629014"/>
       </p:ext>
     </p:extLst>
   </p:cSld>
@@ -412,7 +429,7 @@
             <a:fld id="{91975C7C-7D7A-4F45-B6F8-B37F0EE6A502}" type="datetimeFigureOut">
               <a:rPr lang="ko-KR" altLang="en-US" smtClean="0"/>
               <a:pPr/>
-              <a:t>2022-05-31</a:t>
+              <a:t>2022-07-05</a:t>
             </a:fld>
             <a:endParaRPr lang="ko-KR" altLang="en-US"/>
           </a:p>
@@ -464,7 +481,7 @@
     </p:spTree>
     <p:extLst>
       <p:ext uri="{BB962C8B-B14F-4D97-AF65-F5344CB8AC3E}">
-        <p14:creationId xmlns:p14="http://schemas.microsoft.com/office/powerpoint/2010/main" xmlns="" val="3764055"/>
+        <p14:creationId xmlns:p14="http://schemas.microsoft.com/office/powerpoint/2010/main" val="3764055"/>
       </p:ext>
     </p:extLst>
   </p:cSld>
@@ -594,7 +611,7 @@
             <a:fld id="{91975C7C-7D7A-4F45-B6F8-B37F0EE6A502}" type="datetimeFigureOut">
               <a:rPr lang="ko-KR" altLang="en-US" smtClean="0"/>
               <a:pPr/>
-              <a:t>2022-05-31</a:t>
+              <a:t>2022-07-05</a:t>
             </a:fld>
             <a:endParaRPr lang="ko-KR" altLang="en-US"/>
           </a:p>
@@ -646,7 +663,7 @@
     </p:spTree>
     <p:extLst>
       <p:ext uri="{BB962C8B-B14F-4D97-AF65-F5344CB8AC3E}">
-        <p14:creationId xmlns:p14="http://schemas.microsoft.com/office/powerpoint/2010/main" xmlns="" val="2603310009"/>
+        <p14:creationId xmlns:p14="http://schemas.microsoft.com/office/powerpoint/2010/main" val="2603310009"/>
       </p:ext>
     </p:extLst>
   </p:cSld>
@@ -766,7 +783,7 @@
             <a:fld id="{91975C7C-7D7A-4F45-B6F8-B37F0EE6A502}" type="datetimeFigureOut">
               <a:rPr lang="ko-KR" altLang="en-US" smtClean="0"/>
               <a:pPr/>
-              <a:t>2022-05-31</a:t>
+              <a:t>2022-07-05</a:t>
             </a:fld>
             <a:endParaRPr lang="ko-KR" altLang="en-US"/>
           </a:p>
@@ -818,7 +835,7 @@
     </p:spTree>
     <p:extLst>
       <p:ext uri="{BB962C8B-B14F-4D97-AF65-F5344CB8AC3E}">
-        <p14:creationId xmlns:p14="http://schemas.microsoft.com/office/powerpoint/2010/main" xmlns="" val="1150047003"/>
+        <p14:creationId xmlns:p14="http://schemas.microsoft.com/office/powerpoint/2010/main" val="1150047003"/>
       </p:ext>
     </p:extLst>
   </p:cSld>
@@ -1014,7 +1031,7 @@
             <a:fld id="{91975C7C-7D7A-4F45-B6F8-B37F0EE6A502}" type="datetimeFigureOut">
               <a:rPr lang="ko-KR" altLang="en-US" smtClean="0"/>
               <a:pPr/>
-              <a:t>2022-05-31</a:t>
+              <a:t>2022-07-05</a:t>
             </a:fld>
             <a:endParaRPr lang="ko-KR" altLang="en-US"/>
           </a:p>
@@ -1066,7 +1083,7 @@
     </p:spTree>
     <p:extLst>
       <p:ext uri="{BB962C8B-B14F-4D97-AF65-F5344CB8AC3E}">
-        <p14:creationId xmlns:p14="http://schemas.microsoft.com/office/powerpoint/2010/main" xmlns="" val="1373240550"/>
+        <p14:creationId xmlns:p14="http://schemas.microsoft.com/office/powerpoint/2010/main" val="1373240550"/>
       </p:ext>
     </p:extLst>
   </p:cSld>
@@ -1248,7 +1265,7 @@
             <a:fld id="{91975C7C-7D7A-4F45-B6F8-B37F0EE6A502}" type="datetimeFigureOut">
               <a:rPr lang="ko-KR" altLang="en-US" smtClean="0"/>
               <a:pPr/>
-              <a:t>2022-05-31</a:t>
+              <a:t>2022-07-05</a:t>
             </a:fld>
             <a:endParaRPr lang="ko-KR" altLang="en-US"/>
           </a:p>
@@ -1300,7 +1317,7 @@
     </p:spTree>
     <p:extLst>
       <p:ext uri="{BB962C8B-B14F-4D97-AF65-F5344CB8AC3E}">
-        <p14:creationId xmlns:p14="http://schemas.microsoft.com/office/powerpoint/2010/main" xmlns="" val="1341076832"/>
+        <p14:creationId xmlns:p14="http://schemas.microsoft.com/office/powerpoint/2010/main" val="1341076832"/>
       </p:ext>
     </p:extLst>
   </p:cSld>
@@ -1617,7 +1634,7 @@
             <a:fld id="{91975C7C-7D7A-4F45-B6F8-B37F0EE6A502}" type="datetimeFigureOut">
               <a:rPr lang="ko-KR" altLang="en-US" smtClean="0"/>
               <a:pPr/>
-              <a:t>2022-05-31</a:t>
+              <a:t>2022-07-05</a:t>
             </a:fld>
             <a:endParaRPr lang="ko-KR" altLang="en-US"/>
           </a:p>
@@ -1669,7 +1686,7 @@
     </p:spTree>
     <p:extLst>
       <p:ext uri="{BB962C8B-B14F-4D97-AF65-F5344CB8AC3E}">
-        <p14:creationId xmlns:p14="http://schemas.microsoft.com/office/powerpoint/2010/main" xmlns="" val="1046735256"/>
+        <p14:creationId xmlns:p14="http://schemas.microsoft.com/office/powerpoint/2010/main" val="1046735256"/>
       </p:ext>
     </p:extLst>
   </p:cSld>
@@ -1737,7 +1754,7 @@
             <a:fld id="{91975C7C-7D7A-4F45-B6F8-B37F0EE6A502}" type="datetimeFigureOut">
               <a:rPr lang="ko-KR" altLang="en-US" smtClean="0"/>
               <a:pPr/>
-              <a:t>2022-05-31</a:t>
+              <a:t>2022-07-05</a:t>
             </a:fld>
             <a:endParaRPr lang="ko-KR" altLang="en-US"/>
           </a:p>
@@ -1789,7 +1806,7 @@
     </p:spTree>
     <p:extLst>
       <p:ext uri="{BB962C8B-B14F-4D97-AF65-F5344CB8AC3E}">
-        <p14:creationId xmlns:p14="http://schemas.microsoft.com/office/powerpoint/2010/main" xmlns="" val="3903845435"/>
+        <p14:creationId xmlns:p14="http://schemas.microsoft.com/office/powerpoint/2010/main" val="3903845435"/>
       </p:ext>
     </p:extLst>
   </p:cSld>
@@ -1834,7 +1851,7 @@
             <a:fld id="{91975C7C-7D7A-4F45-B6F8-B37F0EE6A502}" type="datetimeFigureOut">
               <a:rPr lang="ko-KR" altLang="en-US" smtClean="0"/>
               <a:pPr/>
-              <a:t>2022-05-31</a:t>
+              <a:t>2022-07-05</a:t>
             </a:fld>
             <a:endParaRPr lang="ko-KR" altLang="en-US"/>
           </a:p>
@@ -1886,7 +1903,7 @@
     </p:spTree>
     <p:extLst>
       <p:ext uri="{BB962C8B-B14F-4D97-AF65-F5344CB8AC3E}">
-        <p14:creationId xmlns:p14="http://schemas.microsoft.com/office/powerpoint/2010/main" xmlns="" val="1999679549"/>
+        <p14:creationId xmlns:p14="http://schemas.microsoft.com/office/powerpoint/2010/main" val="1999679549"/>
       </p:ext>
     </p:extLst>
   </p:cSld>
@@ -2113,7 +2130,7 @@
             <a:fld id="{91975C7C-7D7A-4F45-B6F8-B37F0EE6A502}" type="datetimeFigureOut">
               <a:rPr lang="ko-KR" altLang="en-US" smtClean="0"/>
               <a:pPr/>
-              <a:t>2022-05-31</a:t>
+              <a:t>2022-07-05</a:t>
             </a:fld>
             <a:endParaRPr lang="ko-KR" altLang="en-US"/>
           </a:p>
@@ -2165,7 +2182,7 @@
     </p:spTree>
     <p:extLst>
       <p:ext uri="{BB962C8B-B14F-4D97-AF65-F5344CB8AC3E}">
-        <p14:creationId xmlns:p14="http://schemas.microsoft.com/office/powerpoint/2010/main" xmlns="" val="2733838293"/>
+        <p14:creationId xmlns:p14="http://schemas.microsoft.com/office/powerpoint/2010/main" val="2733838293"/>
       </p:ext>
     </p:extLst>
   </p:cSld>
@@ -2368,7 +2385,7 @@
             <a:fld id="{91975C7C-7D7A-4F45-B6F8-B37F0EE6A502}" type="datetimeFigureOut">
               <a:rPr lang="ko-KR" altLang="en-US" smtClean="0"/>
               <a:pPr/>
-              <a:t>2022-05-31</a:t>
+              <a:t>2022-07-05</a:t>
             </a:fld>
             <a:endParaRPr lang="ko-KR" altLang="en-US"/>
           </a:p>
@@ -2420,7 +2437,7 @@
     </p:spTree>
     <p:extLst>
       <p:ext uri="{BB962C8B-B14F-4D97-AF65-F5344CB8AC3E}">
-        <p14:creationId xmlns:p14="http://schemas.microsoft.com/office/powerpoint/2010/main" xmlns="" val="2779122364"/>
+        <p14:creationId xmlns:p14="http://schemas.microsoft.com/office/powerpoint/2010/main" val="2779122364"/>
       </p:ext>
     </p:extLst>
   </p:cSld>
@@ -2583,7 +2600,7 @@
             <a:fld id="{91975C7C-7D7A-4F45-B6F8-B37F0EE6A502}" type="datetimeFigureOut">
               <a:rPr lang="ko-KR" altLang="en-US" smtClean="0"/>
               <a:pPr/>
-              <a:t>2022-05-31</a:t>
+              <a:t>2022-07-05</a:t>
             </a:fld>
             <a:endParaRPr lang="ko-KR" altLang="en-US"/>
           </a:p>
@@ -2671,7 +2688,7 @@
     </p:spTree>
     <p:extLst>
       <p:ext uri="{BB962C8B-B14F-4D97-AF65-F5344CB8AC3E}">
-        <p14:creationId xmlns:p14="http://schemas.microsoft.com/office/powerpoint/2010/main" xmlns="" val="65360128"/>
+        <p14:creationId xmlns:p14="http://schemas.microsoft.com/office/powerpoint/2010/main" val="65360128"/>
       </p:ext>
     </p:extLst>
   </p:cSld>
@@ -3870,7 +3887,7 @@
     </p:spTree>
     <p:extLst>
       <p:ext uri="{BB962C8B-B14F-4D97-AF65-F5344CB8AC3E}">
-        <p14:creationId xmlns:p14="http://schemas.microsoft.com/office/powerpoint/2010/main" xmlns="" val="1915153152"/>
+        <p14:creationId xmlns:p14="http://schemas.microsoft.com/office/powerpoint/2010/main" val="1915153152"/>
       </p:ext>
     </p:extLst>
   </p:cSld>
@@ -4370,6 +4387,438 @@
         </p:txBody>
       </p:sp>
     </p:spTree>
+  </p:cSld>
+  <p:clrMapOvr>
+    <a:masterClrMapping/>
+  </p:clrMapOvr>
+</p:sld>
+</file>
+
+<file path=ppt/slides/slide3.xml><?xml version="1.0" encoding="utf-8"?>
+<p:sld xmlns:a="http://schemas.openxmlformats.org/drawingml/2006/main" xmlns:r="http://schemas.openxmlformats.org/officeDocument/2006/relationships" xmlns:p="http://schemas.openxmlformats.org/presentationml/2006/main">
+  <p:cSld>
+    <p:spTree>
+      <p:nvGrpSpPr>
+        <p:cNvPr id="1" name=""/>
+        <p:cNvGrpSpPr/>
+        <p:nvPr/>
+      </p:nvGrpSpPr>
+      <p:grpSpPr>
+        <a:xfrm>
+          <a:off x="0" y="0"/>
+          <a:ext cx="0" cy="0"/>
+          <a:chOff x="0" y="0"/>
+          <a:chExt cx="0" cy="0"/>
+        </a:xfrm>
+      </p:grpSpPr>
+      <p:pic>
+        <p:nvPicPr>
+          <p:cNvPr id="4" name="그림 3"/>
+          <p:cNvPicPr>
+            <a:picLocks noChangeAspect="1"/>
+          </p:cNvPicPr>
+          <p:nvPr/>
+        </p:nvPicPr>
+        <p:blipFill>
+          <a:blip r:embed="rId2">
+            <a:extLst>
+              <a:ext uri="{28A0092B-C50C-407E-A947-70E740481C1C}">
+                <a14:useLocalDpi xmlns:a14="http://schemas.microsoft.com/office/drawing/2010/main" val="0"/>
+              </a:ext>
+            </a:extLst>
+          </a:blip>
+          <a:stretch>
+            <a:fillRect/>
+          </a:stretch>
+        </p:blipFill>
+        <p:spPr>
+          <a:xfrm>
+            <a:off x="6454103" y="0"/>
+            <a:ext cx="5491163" cy="6858000"/>
+          </a:xfrm>
+          <a:prstGeom prst="rect">
+            <a:avLst/>
+          </a:prstGeom>
+        </p:spPr>
+      </p:pic>
+      <p:pic>
+        <p:nvPicPr>
+          <p:cNvPr id="5" name="그림 4"/>
+          <p:cNvPicPr>
+            <a:picLocks noChangeAspect="1"/>
+          </p:cNvPicPr>
+          <p:nvPr/>
+        </p:nvPicPr>
+        <p:blipFill>
+          <a:blip r:embed="rId3">
+            <a:extLst>
+              <a:ext uri="{28A0092B-C50C-407E-A947-70E740481C1C}">
+                <a14:useLocalDpi xmlns:a14="http://schemas.microsoft.com/office/drawing/2010/main" val="0"/>
+              </a:ext>
+            </a:extLst>
+          </a:blip>
+          <a:stretch>
+            <a:fillRect/>
+          </a:stretch>
+        </p:blipFill>
+        <p:spPr>
+          <a:xfrm>
+            <a:off x="167602" y="0"/>
+            <a:ext cx="5491163" cy="6858000"/>
+          </a:xfrm>
+          <a:prstGeom prst="rect">
+            <a:avLst/>
+          </a:prstGeom>
+        </p:spPr>
+      </p:pic>
+      <p:sp>
+        <p:nvSpPr>
+          <p:cNvPr id="6" name="직사각형 5"/>
+          <p:cNvSpPr/>
+          <p:nvPr/>
+        </p:nvSpPr>
+        <p:spPr>
+          <a:xfrm>
+            <a:off x="0" y="2503931"/>
+            <a:ext cx="5919788" cy="342900"/>
+          </a:xfrm>
+          <a:prstGeom prst="rect">
+            <a:avLst/>
+          </a:prstGeom>
+          <a:noFill/>
+          <a:ln w="63500">
+            <a:solidFill>
+              <a:srgbClr val="FF0000"/>
+            </a:solidFill>
+          </a:ln>
+        </p:spPr>
+        <p:style>
+          <a:lnRef idx="2">
+            <a:schemeClr val="accent1">
+              <a:shade val="50000"/>
+            </a:schemeClr>
+          </a:lnRef>
+          <a:fillRef idx="1">
+            <a:schemeClr val="accent1"/>
+          </a:fillRef>
+          <a:effectRef idx="0">
+            <a:schemeClr val="accent1"/>
+          </a:effectRef>
+          <a:fontRef idx="minor">
+            <a:schemeClr val="lt1"/>
+          </a:fontRef>
+        </p:style>
+        <p:txBody>
+          <a:bodyPr rtlCol="0" anchor="ctr"/>
+          <a:lstStyle/>
+          <a:p>
+            <a:pPr algn="ctr"/>
+            <a:endParaRPr lang="ko-KR" altLang="en-US"/>
+          </a:p>
+        </p:txBody>
+      </p:sp>
+      <p:sp>
+        <p:nvSpPr>
+          <p:cNvPr id="7" name="직사각형 6"/>
+          <p:cNvSpPr/>
+          <p:nvPr/>
+        </p:nvSpPr>
+        <p:spPr>
+          <a:xfrm>
+            <a:off x="6479485" y="1421420"/>
+            <a:ext cx="993977" cy="280985"/>
+          </a:xfrm>
+          <a:prstGeom prst="rect">
+            <a:avLst/>
+          </a:prstGeom>
+          <a:noFill/>
+          <a:ln w="63500">
+            <a:solidFill>
+              <a:srgbClr val="FF0000"/>
+            </a:solidFill>
+          </a:ln>
+        </p:spPr>
+        <p:style>
+          <a:lnRef idx="2">
+            <a:schemeClr val="accent1">
+              <a:shade val="50000"/>
+            </a:schemeClr>
+          </a:lnRef>
+          <a:fillRef idx="1">
+            <a:schemeClr val="accent1"/>
+          </a:fillRef>
+          <a:effectRef idx="0">
+            <a:schemeClr val="accent1"/>
+          </a:effectRef>
+          <a:fontRef idx="minor">
+            <a:schemeClr val="lt1"/>
+          </a:fontRef>
+        </p:style>
+        <p:txBody>
+          <a:bodyPr rtlCol="0" anchor="ctr"/>
+          <a:lstStyle/>
+          <a:p>
+            <a:pPr algn="ctr"/>
+            <a:endParaRPr lang="ko-KR" altLang="en-US"/>
+          </a:p>
+        </p:txBody>
+      </p:sp>
+      <p:sp>
+        <p:nvSpPr>
+          <p:cNvPr id="8" name="TextBox 7"/>
+          <p:cNvSpPr txBox="1"/>
+          <p:nvPr/>
+        </p:nvSpPr>
+        <p:spPr>
+          <a:xfrm>
+            <a:off x="6706085" y="1018760"/>
+            <a:ext cx="1276350" cy="307777"/>
+          </a:xfrm>
+          <a:prstGeom prst="rect">
+            <a:avLst/>
+          </a:prstGeom>
+          <a:noFill/>
+        </p:spPr>
+        <p:txBody>
+          <a:bodyPr wrap="square" rtlCol="0">
+            <a:spAutoFit/>
+          </a:bodyPr>
+          <a:lstStyle/>
+          <a:p>
+            <a:r>
+              <a:rPr lang="ko-KR" altLang="en-US" sz="1400" b="1" dirty="0" err="1" smtClean="0">
+                <a:solidFill>
+                  <a:srgbClr val="FF0000"/>
+                </a:solidFill>
+              </a:rPr>
+              <a:t>입금된날짜</a:t>
+            </a:r>
+            <a:endParaRPr lang="ko-KR" altLang="en-US" sz="1400" b="1" dirty="0">
+              <a:solidFill>
+                <a:srgbClr val="FF0000"/>
+              </a:solidFill>
+            </a:endParaRPr>
+          </a:p>
+        </p:txBody>
+      </p:sp>
+      <p:sp>
+        <p:nvSpPr>
+          <p:cNvPr id="9" name="직사각형 8"/>
+          <p:cNvSpPr/>
+          <p:nvPr/>
+        </p:nvSpPr>
+        <p:spPr>
+          <a:xfrm>
+            <a:off x="1254544" y="3982915"/>
+            <a:ext cx="1307681" cy="1265360"/>
+          </a:xfrm>
+          <a:prstGeom prst="rect">
+            <a:avLst/>
+          </a:prstGeom>
+          <a:noFill/>
+          <a:ln w="63500">
+            <a:solidFill>
+              <a:srgbClr val="FF0000"/>
+            </a:solidFill>
+          </a:ln>
+        </p:spPr>
+        <p:style>
+          <a:lnRef idx="2">
+            <a:schemeClr val="accent1">
+              <a:shade val="50000"/>
+            </a:schemeClr>
+          </a:lnRef>
+          <a:fillRef idx="1">
+            <a:schemeClr val="accent1"/>
+          </a:fillRef>
+          <a:effectRef idx="0">
+            <a:schemeClr val="accent1"/>
+          </a:effectRef>
+          <a:fontRef idx="minor">
+            <a:schemeClr val="lt1"/>
+          </a:fontRef>
+        </p:style>
+        <p:txBody>
+          <a:bodyPr rtlCol="0" anchor="ctr"/>
+          <a:lstStyle/>
+          <a:p>
+            <a:pPr algn="ctr"/>
+            <a:endParaRPr lang="ko-KR" altLang="en-US"/>
+          </a:p>
+        </p:txBody>
+      </p:sp>
+      <p:sp>
+        <p:nvSpPr>
+          <p:cNvPr id="12" name="직사각형 11"/>
+          <p:cNvSpPr/>
+          <p:nvPr/>
+        </p:nvSpPr>
+        <p:spPr>
+          <a:xfrm>
+            <a:off x="10793288" y="1139880"/>
+            <a:ext cx="1151977" cy="280985"/>
+          </a:xfrm>
+          <a:prstGeom prst="rect">
+            <a:avLst/>
+          </a:prstGeom>
+          <a:noFill/>
+          <a:ln w="63500">
+            <a:solidFill>
+              <a:srgbClr val="FF0000"/>
+            </a:solidFill>
+          </a:ln>
+        </p:spPr>
+        <p:style>
+          <a:lnRef idx="2">
+            <a:schemeClr val="accent1">
+              <a:shade val="50000"/>
+            </a:schemeClr>
+          </a:lnRef>
+          <a:fillRef idx="1">
+            <a:schemeClr val="accent1"/>
+          </a:fillRef>
+          <a:effectRef idx="0">
+            <a:schemeClr val="accent1"/>
+          </a:effectRef>
+          <a:fontRef idx="minor">
+            <a:schemeClr val="lt1"/>
+          </a:fontRef>
+        </p:style>
+        <p:txBody>
+          <a:bodyPr rtlCol="0" anchor="ctr"/>
+          <a:lstStyle/>
+          <a:p>
+            <a:pPr algn="ctr"/>
+            <a:endParaRPr lang="ko-KR" altLang="en-US"/>
+          </a:p>
+        </p:txBody>
+      </p:sp>
+      <p:pic>
+        <p:nvPicPr>
+          <p:cNvPr id="13" name="그림 12"/>
+          <p:cNvPicPr>
+            <a:picLocks noChangeAspect="1"/>
+          </p:cNvPicPr>
+          <p:nvPr/>
+        </p:nvPicPr>
+        <p:blipFill>
+          <a:blip r:embed="rId4"/>
+          <a:stretch>
+            <a:fillRect/>
+          </a:stretch>
+        </p:blipFill>
+        <p:spPr>
+          <a:xfrm>
+            <a:off x="8271880" y="135339"/>
+            <a:ext cx="1698931" cy="1145033"/>
+          </a:xfrm>
+          <a:prstGeom prst="rect">
+            <a:avLst/>
+          </a:prstGeom>
+        </p:spPr>
+      </p:pic>
+      <p:sp>
+        <p:nvSpPr>
+          <p:cNvPr id="14" name="TextBox 13"/>
+          <p:cNvSpPr txBox="1"/>
+          <p:nvPr/>
+        </p:nvSpPr>
+        <p:spPr>
+          <a:xfrm>
+            <a:off x="5841030" y="6172198"/>
+            <a:ext cx="3689840" cy="646331"/>
+          </a:xfrm>
+          <a:prstGeom prst="rect">
+            <a:avLst/>
+          </a:prstGeom>
+          <a:noFill/>
+        </p:spPr>
+        <p:txBody>
+          <a:bodyPr wrap="square" rtlCol="0">
+            <a:spAutoFit/>
+          </a:bodyPr>
+          <a:lstStyle/>
+          <a:p>
+            <a:r>
+              <a:rPr lang="ko-KR" altLang="en-US" dirty="0" err="1" smtClean="0"/>
+              <a:t>위탁료</a:t>
+            </a:r>
+            <a:r>
+              <a:rPr lang="ko-KR" altLang="en-US" dirty="0" smtClean="0"/>
+              <a:t> </a:t>
+            </a:r>
+            <a:r>
+              <a:rPr lang="en-US" altLang="ko-KR" dirty="0" smtClean="0"/>
+              <a:t>383000</a:t>
+            </a:r>
+            <a:r>
+              <a:rPr lang="ko-KR" altLang="en-US" dirty="0" smtClean="0"/>
+              <a:t>원은 </a:t>
+            </a:r>
+            <a:r>
+              <a:rPr lang="ko-KR" altLang="en-US" dirty="0" err="1" smtClean="0"/>
+              <a:t>채굴된금액으로팔지</a:t>
+            </a:r>
+            <a:r>
+              <a:rPr lang="ko-KR" altLang="en-US" dirty="0" smtClean="0"/>
+              <a:t> 않고 현욱 계좌에서 출금</a:t>
+            </a:r>
+            <a:endParaRPr lang="ko-KR" altLang="en-US" dirty="0"/>
+          </a:p>
+        </p:txBody>
+      </p:sp>
+      <p:sp>
+        <p:nvSpPr>
+          <p:cNvPr id="15" name="TextBox 14"/>
+          <p:cNvSpPr txBox="1"/>
+          <p:nvPr/>
+        </p:nvSpPr>
+        <p:spPr>
+          <a:xfrm>
+            <a:off x="1470725" y="0"/>
+            <a:ext cx="1241663" cy="369332"/>
+          </a:xfrm>
+          <a:prstGeom prst="rect">
+            <a:avLst/>
+          </a:prstGeom>
+          <a:noFill/>
+        </p:spPr>
+        <p:txBody>
+          <a:bodyPr wrap="square" rtlCol="0">
+            <a:spAutoFit/>
+          </a:bodyPr>
+          <a:lstStyle/>
+          <a:p>
+            <a:r>
+              <a:rPr lang="en-US" altLang="ko-KR" dirty="0">
+                <a:solidFill>
+                  <a:srgbClr val="FF0000"/>
+                </a:solidFill>
+              </a:rPr>
+              <a:t>6</a:t>
+            </a:r>
+            <a:r>
+              <a:rPr lang="ko-KR" altLang="en-US" dirty="0" err="1" smtClean="0">
+                <a:solidFill>
+                  <a:srgbClr val="FF0000"/>
+                </a:solidFill>
+              </a:rPr>
+              <a:t>월달</a:t>
+            </a:r>
+            <a:endParaRPr lang="ko-KR" altLang="en-US" dirty="0">
+              <a:solidFill>
+                <a:srgbClr val="FF0000"/>
+              </a:solidFill>
+            </a:endParaRPr>
+          </a:p>
+        </p:txBody>
+      </p:sp>
+    </p:spTree>
+    <p:extLst>
+      <p:ext uri="{BB962C8B-B14F-4D97-AF65-F5344CB8AC3E}">
+        <p14:creationId xmlns:p14="http://schemas.microsoft.com/office/powerpoint/2010/main" val="2204358233"/>
+      </p:ext>
+    </p:extLst>
   </p:cSld>
   <p:clrMapOvr>
     <a:masterClrMapping/>
@@ -4632,7 +5081,7 @@
   <a:extraClrSchemeLst/>
   <a:extLst>
     <a:ext uri="{05A4C25C-085E-4340-85A3-A5531E510DB2}">
-      <thm15:themeFamily xmlns:thm15="http://schemas.microsoft.com/office/thememl/2012/main" xmlns="" name="Office Theme" id="{62F939B6-93AF-4DB8-9C6B-D6C7DFDC589F}" vid="{4A3C46E8-61CC-4603-A589-7422A47A8E4A}"/>
+      <thm15:themeFamily xmlns:thm15="http://schemas.microsoft.com/office/thememl/2012/main" name="Office Theme" id="{62F939B6-93AF-4DB8-9C6B-D6C7DFDC589F}" vid="{4A3C46E8-61CC-4603-A589-7422A47A8E4A}"/>
     </a:ext>
   </a:extLst>
 </a:theme>

--- a/삼촌 채굴관련/채굴일지.pptx
+++ b/삼촌 채굴관련/채굴일지.pptx
@@ -8,6 +8,7 @@
     <p:sldId id="257" r:id="rId2"/>
     <p:sldId id="258" r:id="rId3"/>
     <p:sldId id="259" r:id="rId4"/>
+    <p:sldId id="260" r:id="rId5"/>
   </p:sldIdLst>
   <p:sldSz cx="12192000" cy="6858000"/>
   <p:notesSz cx="6858000" cy="9144000"/>
@@ -257,7 +258,7 @@
             <a:fld id="{91975C7C-7D7A-4F45-B6F8-B37F0EE6A502}" type="datetimeFigureOut">
               <a:rPr lang="ko-KR" altLang="en-US" smtClean="0"/>
               <a:pPr/>
-              <a:t>2022-07-05</a:t>
+              <a:t>2022-08-04</a:t>
             </a:fld>
             <a:endParaRPr lang="ko-KR" altLang="en-US"/>
           </a:p>
@@ -429,7 +430,7 @@
             <a:fld id="{91975C7C-7D7A-4F45-B6F8-B37F0EE6A502}" type="datetimeFigureOut">
               <a:rPr lang="ko-KR" altLang="en-US" smtClean="0"/>
               <a:pPr/>
-              <a:t>2022-07-05</a:t>
+              <a:t>2022-08-04</a:t>
             </a:fld>
             <a:endParaRPr lang="ko-KR" altLang="en-US"/>
           </a:p>
@@ -611,7 +612,7 @@
             <a:fld id="{91975C7C-7D7A-4F45-B6F8-B37F0EE6A502}" type="datetimeFigureOut">
               <a:rPr lang="ko-KR" altLang="en-US" smtClean="0"/>
               <a:pPr/>
-              <a:t>2022-07-05</a:t>
+              <a:t>2022-08-04</a:t>
             </a:fld>
             <a:endParaRPr lang="ko-KR" altLang="en-US"/>
           </a:p>
@@ -783,7 +784,7 @@
             <a:fld id="{91975C7C-7D7A-4F45-B6F8-B37F0EE6A502}" type="datetimeFigureOut">
               <a:rPr lang="ko-KR" altLang="en-US" smtClean="0"/>
               <a:pPr/>
-              <a:t>2022-07-05</a:t>
+              <a:t>2022-08-04</a:t>
             </a:fld>
             <a:endParaRPr lang="ko-KR" altLang="en-US"/>
           </a:p>
@@ -1031,7 +1032,7 @@
             <a:fld id="{91975C7C-7D7A-4F45-B6F8-B37F0EE6A502}" type="datetimeFigureOut">
               <a:rPr lang="ko-KR" altLang="en-US" smtClean="0"/>
               <a:pPr/>
-              <a:t>2022-07-05</a:t>
+              <a:t>2022-08-04</a:t>
             </a:fld>
             <a:endParaRPr lang="ko-KR" altLang="en-US"/>
           </a:p>
@@ -1265,7 +1266,7 @@
             <a:fld id="{91975C7C-7D7A-4F45-B6F8-B37F0EE6A502}" type="datetimeFigureOut">
               <a:rPr lang="ko-KR" altLang="en-US" smtClean="0"/>
               <a:pPr/>
-              <a:t>2022-07-05</a:t>
+              <a:t>2022-08-04</a:t>
             </a:fld>
             <a:endParaRPr lang="ko-KR" altLang="en-US"/>
           </a:p>
@@ -1634,7 +1635,7 @@
             <a:fld id="{91975C7C-7D7A-4F45-B6F8-B37F0EE6A502}" type="datetimeFigureOut">
               <a:rPr lang="ko-KR" altLang="en-US" smtClean="0"/>
               <a:pPr/>
-              <a:t>2022-07-05</a:t>
+              <a:t>2022-08-04</a:t>
             </a:fld>
             <a:endParaRPr lang="ko-KR" altLang="en-US"/>
           </a:p>
@@ -1754,7 +1755,7 @@
             <a:fld id="{91975C7C-7D7A-4F45-B6F8-B37F0EE6A502}" type="datetimeFigureOut">
               <a:rPr lang="ko-KR" altLang="en-US" smtClean="0"/>
               <a:pPr/>
-              <a:t>2022-07-05</a:t>
+              <a:t>2022-08-04</a:t>
             </a:fld>
             <a:endParaRPr lang="ko-KR" altLang="en-US"/>
           </a:p>
@@ -1851,7 +1852,7 @@
             <a:fld id="{91975C7C-7D7A-4F45-B6F8-B37F0EE6A502}" type="datetimeFigureOut">
               <a:rPr lang="ko-KR" altLang="en-US" smtClean="0"/>
               <a:pPr/>
-              <a:t>2022-07-05</a:t>
+              <a:t>2022-08-04</a:t>
             </a:fld>
             <a:endParaRPr lang="ko-KR" altLang="en-US"/>
           </a:p>
@@ -2130,7 +2131,7 @@
             <a:fld id="{91975C7C-7D7A-4F45-B6F8-B37F0EE6A502}" type="datetimeFigureOut">
               <a:rPr lang="ko-KR" altLang="en-US" smtClean="0"/>
               <a:pPr/>
-              <a:t>2022-07-05</a:t>
+              <a:t>2022-08-04</a:t>
             </a:fld>
             <a:endParaRPr lang="ko-KR" altLang="en-US"/>
           </a:p>
@@ -2385,7 +2386,7 @@
             <a:fld id="{91975C7C-7D7A-4F45-B6F8-B37F0EE6A502}" type="datetimeFigureOut">
               <a:rPr lang="ko-KR" altLang="en-US" smtClean="0"/>
               <a:pPr/>
-              <a:t>2022-07-05</a:t>
+              <a:t>2022-08-04</a:t>
             </a:fld>
             <a:endParaRPr lang="ko-KR" altLang="en-US"/>
           </a:p>
@@ -2600,7 +2601,7 @@
             <a:fld id="{91975C7C-7D7A-4F45-B6F8-B37F0EE6A502}" type="datetimeFigureOut">
               <a:rPr lang="ko-KR" altLang="en-US" smtClean="0"/>
               <a:pPr/>
-              <a:t>2022-07-05</a:t>
+              <a:t>2022-08-04</a:t>
             </a:fld>
             <a:endParaRPr lang="ko-KR" altLang="en-US"/>
           </a:p>
@@ -3775,7 +3776,7 @@
               <a:t>1</a:t>
             </a:r>
             <a:r>
-              <a:rPr lang="ko-KR" altLang="en-US" sz="1400" b="1" smtClean="0">
+              <a:rPr lang="ko-KR" altLang="en-US" sz="1400" b="1" dirty="0" smtClean="0">
                 <a:solidFill>
                   <a:srgbClr val="FF0000"/>
                 </a:solidFill>
@@ -3791,7 +3792,7 @@
               <a:t>( </a:t>
             </a:r>
             <a:r>
-              <a:rPr lang="ko-KR" altLang="en-US" sz="1400" b="1" smtClean="0">
+              <a:rPr lang="ko-KR" altLang="en-US" sz="1400" b="1" dirty="0" smtClean="0">
                 <a:solidFill>
                   <a:srgbClr val="FF0000"/>
                 </a:solidFill>
@@ -3807,12 +3808,36 @@
               <a:t>0.1</a:t>
             </a:r>
             <a:r>
-              <a:rPr lang="ko-KR" altLang="en-US" sz="1400" b="1" smtClean="0">
+              <a:rPr lang="ko-KR" altLang="en-US" sz="1400" b="1" dirty="0" smtClean="0">
                 <a:solidFill>
                   <a:srgbClr val="FF0000"/>
                 </a:solidFill>
               </a:rPr>
-              <a:t>개씩 채굴되는대로 입금이 되는중입니다</a:t>
+              <a:t>개씩 </a:t>
+            </a:r>
+            <a:r>
+              <a:rPr lang="ko-KR" altLang="en-US" sz="1400" b="1" dirty="0" err="1" smtClean="0">
+                <a:solidFill>
+                  <a:srgbClr val="FF0000"/>
+                </a:solidFill>
+              </a:rPr>
+              <a:t>채굴되는대로</a:t>
+            </a:r>
+            <a:r>
+              <a:rPr lang="ko-KR" altLang="en-US" sz="1400" b="1" dirty="0" smtClean="0">
+                <a:solidFill>
+                  <a:srgbClr val="FF0000"/>
+                </a:solidFill>
+              </a:rPr>
+              <a:t> 입금이 </a:t>
+            </a:r>
+            <a:r>
+              <a:rPr lang="ko-KR" altLang="en-US" sz="1400" b="1" dirty="0" err="1" smtClean="0">
+                <a:solidFill>
+                  <a:srgbClr val="FF0000"/>
+                </a:solidFill>
+              </a:rPr>
+              <a:t>되는중입니다</a:t>
             </a:r>
             <a:r>
               <a:rPr lang="en-US" altLang="ko-KR" sz="1400" b="1" dirty="0" smtClean="0">
@@ -3823,7 +3848,7 @@
               <a:t>.)</a:t>
             </a:r>
             <a:r>
-              <a:rPr lang="ko-KR" altLang="en-US" sz="1400" b="1" smtClean="0">
+              <a:rPr lang="ko-KR" altLang="en-US" sz="1400" b="1" dirty="0" smtClean="0">
                 <a:solidFill>
                   <a:srgbClr val="FF0000"/>
                 </a:solidFill>
@@ -4817,6 +4842,364 @@
     <p:extLst>
       <p:ext uri="{BB962C8B-B14F-4D97-AF65-F5344CB8AC3E}">
         <p14:creationId xmlns:p14="http://schemas.microsoft.com/office/powerpoint/2010/main" val="2204358233"/>
+      </p:ext>
+    </p:extLst>
+  </p:cSld>
+  <p:clrMapOvr>
+    <a:masterClrMapping/>
+  </p:clrMapOvr>
+</p:sld>
+</file>
+
+<file path=ppt/slides/slide4.xml><?xml version="1.0" encoding="utf-8"?>
+<p:sld xmlns:a="http://schemas.openxmlformats.org/drawingml/2006/main" xmlns:r="http://schemas.openxmlformats.org/officeDocument/2006/relationships" xmlns:p="http://schemas.openxmlformats.org/presentationml/2006/main">
+  <p:cSld>
+    <p:spTree>
+      <p:nvGrpSpPr>
+        <p:cNvPr id="1" name=""/>
+        <p:cNvGrpSpPr/>
+        <p:nvPr/>
+      </p:nvGrpSpPr>
+      <p:grpSpPr>
+        <a:xfrm>
+          <a:off x="0" y="0"/>
+          <a:ext cx="0" cy="0"/>
+          <a:chOff x="0" y="0"/>
+          <a:chExt cx="0" cy="0"/>
+        </a:xfrm>
+      </p:grpSpPr>
+      <p:sp>
+        <p:nvSpPr>
+          <p:cNvPr id="4" name="TextBox 3"/>
+          <p:cNvSpPr txBox="1"/>
+          <p:nvPr/>
+        </p:nvSpPr>
+        <p:spPr>
+          <a:xfrm>
+            <a:off x="1470725" y="0"/>
+            <a:ext cx="1241663" cy="369332"/>
+          </a:xfrm>
+          <a:prstGeom prst="rect">
+            <a:avLst/>
+          </a:prstGeom>
+          <a:noFill/>
+        </p:spPr>
+        <p:txBody>
+          <a:bodyPr wrap="square" rtlCol="0">
+            <a:spAutoFit/>
+          </a:bodyPr>
+          <a:lstStyle/>
+          <a:p>
+            <a:r>
+              <a:rPr lang="en-US" altLang="ko-KR" dirty="0" smtClean="0">
+                <a:solidFill>
+                  <a:srgbClr val="FF0000"/>
+                </a:solidFill>
+              </a:rPr>
+              <a:t>7</a:t>
+            </a:r>
+            <a:r>
+              <a:rPr lang="ko-KR" altLang="en-US" dirty="0" err="1" smtClean="0">
+                <a:solidFill>
+                  <a:srgbClr val="FF0000"/>
+                </a:solidFill>
+              </a:rPr>
+              <a:t>월달</a:t>
+            </a:r>
+            <a:endParaRPr lang="ko-KR" altLang="en-US" dirty="0">
+              <a:solidFill>
+                <a:srgbClr val="FF0000"/>
+              </a:solidFill>
+            </a:endParaRPr>
+          </a:p>
+        </p:txBody>
+      </p:sp>
+      <p:pic>
+        <p:nvPicPr>
+          <p:cNvPr id="5" name="그림 4"/>
+          <p:cNvPicPr>
+            <a:picLocks noChangeAspect="1"/>
+          </p:cNvPicPr>
+          <p:nvPr/>
+        </p:nvPicPr>
+        <p:blipFill>
+          <a:blip r:embed="rId2"/>
+          <a:stretch>
+            <a:fillRect/>
+          </a:stretch>
+        </p:blipFill>
+        <p:spPr>
+          <a:xfrm>
+            <a:off x="126683" y="535186"/>
+            <a:ext cx="6137304" cy="5713214"/>
+          </a:xfrm>
+          <a:prstGeom prst="rect">
+            <a:avLst/>
+          </a:prstGeom>
+        </p:spPr>
+      </p:pic>
+      <p:pic>
+        <p:nvPicPr>
+          <p:cNvPr id="6" name="그림 5"/>
+          <p:cNvPicPr>
+            <a:picLocks noChangeAspect="1"/>
+          </p:cNvPicPr>
+          <p:nvPr/>
+        </p:nvPicPr>
+        <p:blipFill>
+          <a:blip r:embed="rId3"/>
+          <a:stretch>
+            <a:fillRect/>
+          </a:stretch>
+        </p:blipFill>
+        <p:spPr>
+          <a:xfrm>
+            <a:off x="6573941" y="657106"/>
+            <a:ext cx="5270396" cy="5746432"/>
+          </a:xfrm>
+          <a:prstGeom prst="rect">
+            <a:avLst/>
+          </a:prstGeom>
+        </p:spPr>
+      </p:pic>
+      <p:sp>
+        <p:nvSpPr>
+          <p:cNvPr id="7" name="직사각형 6"/>
+          <p:cNvSpPr/>
+          <p:nvPr/>
+        </p:nvSpPr>
+        <p:spPr>
+          <a:xfrm>
+            <a:off x="1254545" y="3825240"/>
+            <a:ext cx="1183856" cy="1691639"/>
+          </a:xfrm>
+          <a:prstGeom prst="rect">
+            <a:avLst/>
+          </a:prstGeom>
+          <a:noFill/>
+          <a:ln w="63500">
+            <a:solidFill>
+              <a:srgbClr val="FF0000"/>
+            </a:solidFill>
+          </a:ln>
+        </p:spPr>
+        <p:style>
+          <a:lnRef idx="2">
+            <a:schemeClr val="accent1">
+              <a:shade val="50000"/>
+            </a:schemeClr>
+          </a:lnRef>
+          <a:fillRef idx="1">
+            <a:schemeClr val="accent1"/>
+          </a:fillRef>
+          <a:effectRef idx="0">
+            <a:schemeClr val="accent1"/>
+          </a:effectRef>
+          <a:fontRef idx="minor">
+            <a:schemeClr val="lt1"/>
+          </a:fontRef>
+        </p:style>
+        <p:txBody>
+          <a:bodyPr rtlCol="0" anchor="ctr"/>
+          <a:lstStyle/>
+          <a:p>
+            <a:pPr algn="ctr"/>
+            <a:endParaRPr lang="ko-KR" altLang="en-US"/>
+          </a:p>
+        </p:txBody>
+      </p:sp>
+      <p:sp>
+        <p:nvSpPr>
+          <p:cNvPr id="8" name="직사각형 7"/>
+          <p:cNvSpPr/>
+          <p:nvPr/>
+        </p:nvSpPr>
+        <p:spPr>
+          <a:xfrm>
+            <a:off x="70689" y="2103120"/>
+            <a:ext cx="6193298" cy="793374"/>
+          </a:xfrm>
+          <a:prstGeom prst="rect">
+            <a:avLst/>
+          </a:prstGeom>
+          <a:noFill/>
+          <a:ln w="63500">
+            <a:solidFill>
+              <a:srgbClr val="FF0000"/>
+            </a:solidFill>
+          </a:ln>
+        </p:spPr>
+        <p:style>
+          <a:lnRef idx="2">
+            <a:schemeClr val="accent1">
+              <a:shade val="50000"/>
+            </a:schemeClr>
+          </a:lnRef>
+          <a:fillRef idx="1">
+            <a:schemeClr val="accent1"/>
+          </a:fillRef>
+          <a:effectRef idx="0">
+            <a:schemeClr val="accent1"/>
+          </a:effectRef>
+          <a:fontRef idx="minor">
+            <a:schemeClr val="lt1"/>
+          </a:fontRef>
+        </p:style>
+        <p:txBody>
+          <a:bodyPr rtlCol="0" anchor="ctr"/>
+          <a:lstStyle/>
+          <a:p>
+            <a:pPr algn="ctr"/>
+            <a:endParaRPr lang="ko-KR" altLang="en-US"/>
+          </a:p>
+        </p:txBody>
+      </p:sp>
+      <p:sp>
+        <p:nvSpPr>
+          <p:cNvPr id="9" name="직사각형 8"/>
+          <p:cNvSpPr/>
+          <p:nvPr/>
+        </p:nvSpPr>
+        <p:spPr>
+          <a:xfrm>
+            <a:off x="6573941" y="3629980"/>
+            <a:ext cx="993977" cy="280985"/>
+          </a:xfrm>
+          <a:prstGeom prst="rect">
+            <a:avLst/>
+          </a:prstGeom>
+          <a:noFill/>
+          <a:ln w="63500">
+            <a:solidFill>
+              <a:srgbClr val="FF0000"/>
+            </a:solidFill>
+          </a:ln>
+        </p:spPr>
+        <p:style>
+          <a:lnRef idx="2">
+            <a:schemeClr val="accent1">
+              <a:shade val="50000"/>
+            </a:schemeClr>
+          </a:lnRef>
+          <a:fillRef idx="1">
+            <a:schemeClr val="accent1"/>
+          </a:fillRef>
+          <a:effectRef idx="0">
+            <a:schemeClr val="accent1"/>
+          </a:effectRef>
+          <a:fontRef idx="minor">
+            <a:schemeClr val="lt1"/>
+          </a:fontRef>
+        </p:style>
+        <p:txBody>
+          <a:bodyPr rtlCol="0" anchor="ctr"/>
+          <a:lstStyle/>
+          <a:p>
+            <a:pPr algn="ctr"/>
+            <a:endParaRPr lang="ko-KR" altLang="en-US"/>
+          </a:p>
+        </p:txBody>
+      </p:sp>
+      <p:sp>
+        <p:nvSpPr>
+          <p:cNvPr id="10" name="직사각형 9"/>
+          <p:cNvSpPr/>
+          <p:nvPr/>
+        </p:nvSpPr>
+        <p:spPr>
+          <a:xfrm>
+            <a:off x="10800009" y="3364965"/>
+            <a:ext cx="993977" cy="280985"/>
+          </a:xfrm>
+          <a:prstGeom prst="rect">
+            <a:avLst/>
+          </a:prstGeom>
+          <a:noFill/>
+          <a:ln w="63500">
+            <a:solidFill>
+              <a:srgbClr val="FF0000"/>
+            </a:solidFill>
+          </a:ln>
+        </p:spPr>
+        <p:style>
+          <a:lnRef idx="2">
+            <a:schemeClr val="accent1">
+              <a:shade val="50000"/>
+            </a:schemeClr>
+          </a:lnRef>
+          <a:fillRef idx="1">
+            <a:schemeClr val="accent1"/>
+          </a:fillRef>
+          <a:effectRef idx="0">
+            <a:schemeClr val="accent1"/>
+          </a:effectRef>
+          <a:fontRef idx="minor">
+            <a:schemeClr val="lt1"/>
+          </a:fontRef>
+        </p:style>
+        <p:txBody>
+          <a:bodyPr rtlCol="0" anchor="ctr"/>
+          <a:lstStyle/>
+          <a:p>
+            <a:pPr algn="ctr"/>
+            <a:endParaRPr lang="ko-KR" altLang="en-US"/>
+          </a:p>
+        </p:txBody>
+      </p:sp>
+      <p:sp>
+        <p:nvSpPr>
+          <p:cNvPr id="11" name="TextBox 10"/>
+          <p:cNvSpPr txBox="1"/>
+          <p:nvPr/>
+        </p:nvSpPr>
+        <p:spPr>
+          <a:xfrm>
+            <a:off x="6263987" y="6211669"/>
+            <a:ext cx="3689840" cy="646331"/>
+          </a:xfrm>
+          <a:prstGeom prst="rect">
+            <a:avLst/>
+          </a:prstGeom>
+          <a:noFill/>
+        </p:spPr>
+        <p:txBody>
+          <a:bodyPr wrap="square" rtlCol="0">
+            <a:spAutoFit/>
+          </a:bodyPr>
+          <a:lstStyle/>
+          <a:p>
+            <a:r>
+              <a:rPr lang="ko-KR" altLang="en-US" dirty="0" err="1" smtClean="0"/>
+              <a:t>위탁료</a:t>
+            </a:r>
+            <a:r>
+              <a:rPr lang="ko-KR" altLang="en-US" dirty="0" smtClean="0"/>
+              <a:t> </a:t>
+            </a:r>
+            <a:r>
+              <a:rPr lang="en-US" altLang="ko-KR" dirty="0" smtClean="0"/>
+              <a:t>383000</a:t>
+            </a:r>
+            <a:r>
+              <a:rPr lang="ko-KR" altLang="en-US" dirty="0" smtClean="0"/>
+              <a:t>원은 </a:t>
+            </a:r>
+            <a:r>
+              <a:rPr lang="ko-KR" altLang="en-US" dirty="0" err="1" smtClean="0"/>
+              <a:t>채굴된금액으로팔지</a:t>
+            </a:r>
+            <a:r>
+              <a:rPr lang="ko-KR" altLang="en-US" dirty="0" smtClean="0"/>
+              <a:t> 않고 현욱 계좌에서 출금</a:t>
+            </a:r>
+            <a:endParaRPr lang="ko-KR" altLang="en-US" dirty="0"/>
+          </a:p>
+        </p:txBody>
+      </p:sp>
+    </p:spTree>
+    <p:extLst>
+      <p:ext uri="{BB962C8B-B14F-4D97-AF65-F5344CB8AC3E}">
+        <p14:creationId xmlns:p14="http://schemas.microsoft.com/office/powerpoint/2010/main" val="3566266377"/>
       </p:ext>
     </p:extLst>
   </p:cSld>

--- a/삼촌 채굴관련/채굴일지.pptx
+++ b/삼촌 채굴관련/채굴일지.pptx
@@ -9,6 +9,7 @@
     <p:sldId id="258" r:id="rId3"/>
     <p:sldId id="259" r:id="rId4"/>
     <p:sldId id="260" r:id="rId5"/>
+    <p:sldId id="261" r:id="rId6"/>
   </p:sldIdLst>
   <p:sldSz cx="12192000" cy="6858000"/>
   <p:notesSz cx="6858000" cy="9144000"/>
@@ -258,7 +259,7 @@
             <a:fld id="{91975C7C-7D7A-4F45-B6F8-B37F0EE6A502}" type="datetimeFigureOut">
               <a:rPr lang="ko-KR" altLang="en-US" smtClean="0"/>
               <a:pPr/>
-              <a:t>2022-08-04</a:t>
+              <a:t>2022-09-12</a:t>
             </a:fld>
             <a:endParaRPr lang="ko-KR" altLang="en-US"/>
           </a:p>
@@ -430,7 +431,7 @@
             <a:fld id="{91975C7C-7D7A-4F45-B6F8-B37F0EE6A502}" type="datetimeFigureOut">
               <a:rPr lang="ko-KR" altLang="en-US" smtClean="0"/>
               <a:pPr/>
-              <a:t>2022-08-04</a:t>
+              <a:t>2022-09-12</a:t>
             </a:fld>
             <a:endParaRPr lang="ko-KR" altLang="en-US"/>
           </a:p>
@@ -612,7 +613,7 @@
             <a:fld id="{91975C7C-7D7A-4F45-B6F8-B37F0EE6A502}" type="datetimeFigureOut">
               <a:rPr lang="ko-KR" altLang="en-US" smtClean="0"/>
               <a:pPr/>
-              <a:t>2022-08-04</a:t>
+              <a:t>2022-09-12</a:t>
             </a:fld>
             <a:endParaRPr lang="ko-KR" altLang="en-US"/>
           </a:p>
@@ -784,7 +785,7 @@
             <a:fld id="{91975C7C-7D7A-4F45-B6F8-B37F0EE6A502}" type="datetimeFigureOut">
               <a:rPr lang="ko-KR" altLang="en-US" smtClean="0"/>
               <a:pPr/>
-              <a:t>2022-08-04</a:t>
+              <a:t>2022-09-12</a:t>
             </a:fld>
             <a:endParaRPr lang="ko-KR" altLang="en-US"/>
           </a:p>
@@ -1032,7 +1033,7 @@
             <a:fld id="{91975C7C-7D7A-4F45-B6F8-B37F0EE6A502}" type="datetimeFigureOut">
               <a:rPr lang="ko-KR" altLang="en-US" smtClean="0"/>
               <a:pPr/>
-              <a:t>2022-08-04</a:t>
+              <a:t>2022-09-12</a:t>
             </a:fld>
             <a:endParaRPr lang="ko-KR" altLang="en-US"/>
           </a:p>
@@ -1266,7 +1267,7 @@
             <a:fld id="{91975C7C-7D7A-4F45-B6F8-B37F0EE6A502}" type="datetimeFigureOut">
               <a:rPr lang="ko-KR" altLang="en-US" smtClean="0"/>
               <a:pPr/>
-              <a:t>2022-08-04</a:t>
+              <a:t>2022-09-12</a:t>
             </a:fld>
             <a:endParaRPr lang="ko-KR" altLang="en-US"/>
           </a:p>
@@ -1635,7 +1636,7 @@
             <a:fld id="{91975C7C-7D7A-4F45-B6F8-B37F0EE6A502}" type="datetimeFigureOut">
               <a:rPr lang="ko-KR" altLang="en-US" smtClean="0"/>
               <a:pPr/>
-              <a:t>2022-08-04</a:t>
+              <a:t>2022-09-12</a:t>
             </a:fld>
             <a:endParaRPr lang="ko-KR" altLang="en-US"/>
           </a:p>
@@ -1755,7 +1756,7 @@
             <a:fld id="{91975C7C-7D7A-4F45-B6F8-B37F0EE6A502}" type="datetimeFigureOut">
               <a:rPr lang="ko-KR" altLang="en-US" smtClean="0"/>
               <a:pPr/>
-              <a:t>2022-08-04</a:t>
+              <a:t>2022-09-12</a:t>
             </a:fld>
             <a:endParaRPr lang="ko-KR" altLang="en-US"/>
           </a:p>
@@ -1852,7 +1853,7 @@
             <a:fld id="{91975C7C-7D7A-4F45-B6F8-B37F0EE6A502}" type="datetimeFigureOut">
               <a:rPr lang="ko-KR" altLang="en-US" smtClean="0"/>
               <a:pPr/>
-              <a:t>2022-08-04</a:t>
+              <a:t>2022-09-12</a:t>
             </a:fld>
             <a:endParaRPr lang="ko-KR" altLang="en-US"/>
           </a:p>
@@ -2131,7 +2132,7 @@
             <a:fld id="{91975C7C-7D7A-4F45-B6F8-B37F0EE6A502}" type="datetimeFigureOut">
               <a:rPr lang="ko-KR" altLang="en-US" smtClean="0"/>
               <a:pPr/>
-              <a:t>2022-08-04</a:t>
+              <a:t>2022-09-12</a:t>
             </a:fld>
             <a:endParaRPr lang="ko-KR" altLang="en-US"/>
           </a:p>
@@ -2386,7 +2387,7 @@
             <a:fld id="{91975C7C-7D7A-4F45-B6F8-B37F0EE6A502}" type="datetimeFigureOut">
               <a:rPr lang="ko-KR" altLang="en-US" smtClean="0"/>
               <a:pPr/>
-              <a:t>2022-08-04</a:t>
+              <a:t>2022-09-12</a:t>
             </a:fld>
             <a:endParaRPr lang="ko-KR" altLang="en-US"/>
           </a:p>
@@ -2601,7 +2602,7 @@
             <a:fld id="{91975C7C-7D7A-4F45-B6F8-B37F0EE6A502}" type="datetimeFigureOut">
               <a:rPr lang="ko-KR" altLang="en-US" smtClean="0"/>
               <a:pPr/>
-              <a:t>2022-08-04</a:t>
+              <a:t>2022-09-12</a:t>
             </a:fld>
             <a:endParaRPr lang="ko-KR" altLang="en-US"/>
           </a:p>
@@ -5209,6 +5210,356 @@
 </p:sld>
 </file>
 
+<file path=ppt/slides/slide5.xml><?xml version="1.0" encoding="utf-8"?>
+<p:sld xmlns:a="http://schemas.openxmlformats.org/drawingml/2006/main" xmlns:r="http://schemas.openxmlformats.org/officeDocument/2006/relationships" xmlns:p="http://schemas.openxmlformats.org/presentationml/2006/main">
+  <p:cSld>
+    <p:spTree>
+      <p:nvGrpSpPr>
+        <p:cNvPr id="1" name=""/>
+        <p:cNvGrpSpPr/>
+        <p:nvPr/>
+      </p:nvGrpSpPr>
+      <p:grpSpPr>
+        <a:xfrm>
+          <a:off x="0" y="0"/>
+          <a:ext cx="0" cy="0"/>
+          <a:chOff x="0" y="0"/>
+          <a:chExt cx="0" cy="0"/>
+        </a:xfrm>
+      </p:grpSpPr>
+      <p:pic>
+        <p:nvPicPr>
+          <p:cNvPr id="3" name="그림 2"/>
+          <p:cNvPicPr>
+            <a:picLocks noChangeAspect="1"/>
+          </p:cNvPicPr>
+          <p:nvPr/>
+        </p:nvPicPr>
+        <p:blipFill>
+          <a:blip r:embed="rId2"/>
+          <a:stretch>
+            <a:fillRect/>
+          </a:stretch>
+        </p:blipFill>
+        <p:spPr>
+          <a:xfrm>
+            <a:off x="6573941" y="769844"/>
+            <a:ext cx="5038725" cy="5572125"/>
+          </a:xfrm>
+          <a:prstGeom prst="rect">
+            <a:avLst/>
+          </a:prstGeom>
+        </p:spPr>
+      </p:pic>
+      <p:pic>
+        <p:nvPicPr>
+          <p:cNvPr id="2" name="그림 1"/>
+          <p:cNvPicPr>
+            <a:picLocks noChangeAspect="1"/>
+          </p:cNvPicPr>
+          <p:nvPr/>
+        </p:nvPicPr>
+        <p:blipFill>
+          <a:blip r:embed="rId3"/>
+          <a:stretch>
+            <a:fillRect/>
+          </a:stretch>
+        </p:blipFill>
+        <p:spPr>
+          <a:xfrm>
+            <a:off x="0" y="315009"/>
+            <a:ext cx="6263987" cy="6219825"/>
+          </a:xfrm>
+          <a:prstGeom prst="rect">
+            <a:avLst/>
+          </a:prstGeom>
+        </p:spPr>
+      </p:pic>
+      <p:sp>
+        <p:nvSpPr>
+          <p:cNvPr id="4" name="TextBox 3"/>
+          <p:cNvSpPr txBox="1"/>
+          <p:nvPr/>
+        </p:nvSpPr>
+        <p:spPr>
+          <a:xfrm>
+            <a:off x="1470725" y="0"/>
+            <a:ext cx="1241663" cy="369332"/>
+          </a:xfrm>
+          <a:prstGeom prst="rect">
+            <a:avLst/>
+          </a:prstGeom>
+          <a:noFill/>
+        </p:spPr>
+        <p:txBody>
+          <a:bodyPr wrap="square" rtlCol="0">
+            <a:spAutoFit/>
+          </a:bodyPr>
+          <a:lstStyle/>
+          <a:p>
+            <a:r>
+              <a:rPr lang="en-US" altLang="ko-KR" dirty="0" smtClean="0">
+                <a:solidFill>
+                  <a:srgbClr val="FF0000"/>
+                </a:solidFill>
+              </a:rPr>
+              <a:t>8</a:t>
+            </a:r>
+            <a:r>
+              <a:rPr lang="ko-KR" altLang="en-US" dirty="0" err="1" smtClean="0">
+                <a:solidFill>
+                  <a:srgbClr val="FF0000"/>
+                </a:solidFill>
+              </a:rPr>
+              <a:t>월달</a:t>
+            </a:r>
+            <a:endParaRPr lang="ko-KR" altLang="en-US" dirty="0">
+              <a:solidFill>
+                <a:srgbClr val="FF0000"/>
+              </a:solidFill>
+            </a:endParaRPr>
+          </a:p>
+        </p:txBody>
+      </p:sp>
+      <p:sp>
+        <p:nvSpPr>
+          <p:cNvPr id="7" name="직사각형 6"/>
+          <p:cNvSpPr/>
+          <p:nvPr/>
+        </p:nvSpPr>
+        <p:spPr>
+          <a:xfrm>
+            <a:off x="1228168" y="3505457"/>
+            <a:ext cx="1183856" cy="1691639"/>
+          </a:xfrm>
+          <a:prstGeom prst="rect">
+            <a:avLst/>
+          </a:prstGeom>
+          <a:noFill/>
+          <a:ln w="63500">
+            <a:solidFill>
+              <a:srgbClr val="FF0000"/>
+            </a:solidFill>
+          </a:ln>
+        </p:spPr>
+        <p:style>
+          <a:lnRef idx="2">
+            <a:schemeClr val="accent1">
+              <a:shade val="50000"/>
+            </a:schemeClr>
+          </a:lnRef>
+          <a:fillRef idx="1">
+            <a:schemeClr val="accent1"/>
+          </a:fillRef>
+          <a:effectRef idx="0">
+            <a:schemeClr val="accent1"/>
+          </a:effectRef>
+          <a:fontRef idx="minor">
+            <a:schemeClr val="lt1"/>
+          </a:fontRef>
+        </p:style>
+        <p:txBody>
+          <a:bodyPr rtlCol="0" anchor="ctr"/>
+          <a:lstStyle/>
+          <a:p>
+            <a:pPr algn="ctr"/>
+            <a:endParaRPr lang="ko-KR" altLang="en-US"/>
+          </a:p>
+        </p:txBody>
+      </p:sp>
+      <p:sp>
+        <p:nvSpPr>
+          <p:cNvPr id="8" name="직사각형 7"/>
+          <p:cNvSpPr/>
+          <p:nvPr/>
+        </p:nvSpPr>
+        <p:spPr>
+          <a:xfrm>
+            <a:off x="70689" y="2121923"/>
+            <a:ext cx="6193298" cy="793374"/>
+          </a:xfrm>
+          <a:prstGeom prst="rect">
+            <a:avLst/>
+          </a:prstGeom>
+          <a:noFill/>
+          <a:ln w="63500">
+            <a:solidFill>
+              <a:srgbClr val="FF0000"/>
+            </a:solidFill>
+          </a:ln>
+        </p:spPr>
+        <p:style>
+          <a:lnRef idx="2">
+            <a:schemeClr val="accent1">
+              <a:shade val="50000"/>
+            </a:schemeClr>
+          </a:lnRef>
+          <a:fillRef idx="1">
+            <a:schemeClr val="accent1"/>
+          </a:fillRef>
+          <a:effectRef idx="0">
+            <a:schemeClr val="accent1"/>
+          </a:effectRef>
+          <a:fontRef idx="minor">
+            <a:schemeClr val="lt1"/>
+          </a:fontRef>
+        </p:style>
+        <p:txBody>
+          <a:bodyPr rtlCol="0" anchor="ctr"/>
+          <a:lstStyle/>
+          <a:p>
+            <a:pPr algn="ctr"/>
+            <a:endParaRPr lang="ko-KR" altLang="en-US"/>
+          </a:p>
+        </p:txBody>
+      </p:sp>
+      <p:sp>
+        <p:nvSpPr>
+          <p:cNvPr id="9" name="직사각형 8"/>
+          <p:cNvSpPr/>
+          <p:nvPr/>
+        </p:nvSpPr>
+        <p:spPr>
+          <a:xfrm>
+            <a:off x="6573941" y="1981430"/>
+            <a:ext cx="993977" cy="280985"/>
+          </a:xfrm>
+          <a:prstGeom prst="rect">
+            <a:avLst/>
+          </a:prstGeom>
+          <a:noFill/>
+          <a:ln w="63500">
+            <a:solidFill>
+              <a:srgbClr val="FF0000"/>
+            </a:solidFill>
+          </a:ln>
+        </p:spPr>
+        <p:style>
+          <a:lnRef idx="2">
+            <a:schemeClr val="accent1">
+              <a:shade val="50000"/>
+            </a:schemeClr>
+          </a:lnRef>
+          <a:fillRef idx="1">
+            <a:schemeClr val="accent1"/>
+          </a:fillRef>
+          <a:effectRef idx="0">
+            <a:schemeClr val="accent1"/>
+          </a:effectRef>
+          <a:fontRef idx="minor">
+            <a:schemeClr val="lt1"/>
+          </a:fontRef>
+        </p:style>
+        <p:txBody>
+          <a:bodyPr rtlCol="0" anchor="ctr"/>
+          <a:lstStyle/>
+          <a:p>
+            <a:pPr algn="ctr"/>
+            <a:endParaRPr lang="ko-KR" altLang="en-US"/>
+          </a:p>
+        </p:txBody>
+      </p:sp>
+      <p:sp>
+        <p:nvSpPr>
+          <p:cNvPr id="10" name="직사각형 9"/>
+          <p:cNvSpPr/>
+          <p:nvPr/>
+        </p:nvSpPr>
+        <p:spPr>
+          <a:xfrm>
+            <a:off x="10509863" y="1764765"/>
+            <a:ext cx="993977" cy="280985"/>
+          </a:xfrm>
+          <a:prstGeom prst="rect">
+            <a:avLst/>
+          </a:prstGeom>
+          <a:noFill/>
+          <a:ln w="63500">
+            <a:solidFill>
+              <a:srgbClr val="FF0000"/>
+            </a:solidFill>
+          </a:ln>
+        </p:spPr>
+        <p:style>
+          <a:lnRef idx="2">
+            <a:schemeClr val="accent1">
+              <a:shade val="50000"/>
+            </a:schemeClr>
+          </a:lnRef>
+          <a:fillRef idx="1">
+            <a:schemeClr val="accent1"/>
+          </a:fillRef>
+          <a:effectRef idx="0">
+            <a:schemeClr val="accent1"/>
+          </a:effectRef>
+          <a:fontRef idx="minor">
+            <a:schemeClr val="lt1"/>
+          </a:fontRef>
+        </p:style>
+        <p:txBody>
+          <a:bodyPr rtlCol="0" anchor="ctr"/>
+          <a:lstStyle/>
+          <a:p>
+            <a:pPr algn="ctr"/>
+            <a:endParaRPr lang="ko-KR" altLang="en-US"/>
+          </a:p>
+        </p:txBody>
+      </p:sp>
+      <p:sp>
+        <p:nvSpPr>
+          <p:cNvPr id="11" name="TextBox 10"/>
+          <p:cNvSpPr txBox="1"/>
+          <p:nvPr/>
+        </p:nvSpPr>
+        <p:spPr>
+          <a:xfrm>
+            <a:off x="6263987" y="6211669"/>
+            <a:ext cx="3689840" cy="369332"/>
+          </a:xfrm>
+          <a:prstGeom prst="rect">
+            <a:avLst/>
+          </a:prstGeom>
+          <a:noFill/>
+        </p:spPr>
+        <p:txBody>
+          <a:bodyPr wrap="square" rtlCol="0">
+            <a:spAutoFit/>
+          </a:bodyPr>
+          <a:lstStyle/>
+          <a:p>
+            <a:r>
+              <a:rPr lang="ko-KR" altLang="en-US" dirty="0" err="1" smtClean="0"/>
+              <a:t>위탁료</a:t>
+            </a:r>
+            <a:r>
+              <a:rPr lang="ko-KR" altLang="en-US" dirty="0" smtClean="0"/>
+              <a:t> </a:t>
+            </a:r>
+            <a:r>
+              <a:rPr lang="en-US" altLang="ko-KR" dirty="0" smtClean="0"/>
+              <a:t>383000</a:t>
+            </a:r>
+            <a:r>
+              <a:rPr lang="ko-KR" altLang="en-US" dirty="0" smtClean="0"/>
+              <a:t>출금</a:t>
+            </a:r>
+            <a:endParaRPr lang="ko-KR" altLang="en-US" dirty="0"/>
+          </a:p>
+        </p:txBody>
+      </p:sp>
+    </p:spTree>
+    <p:extLst>
+      <p:ext uri="{BB962C8B-B14F-4D97-AF65-F5344CB8AC3E}">
+        <p14:creationId xmlns:p14="http://schemas.microsoft.com/office/powerpoint/2010/main" val="3327722872"/>
+      </p:ext>
+    </p:extLst>
+  </p:cSld>
+  <p:clrMapOvr>
+    <a:masterClrMapping/>
+  </p:clrMapOvr>
+</p:sld>
+</file>
+
 <file path=ppt/theme/theme1.xml><?xml version="1.0" encoding="utf-8"?>
 <a:theme xmlns:a="http://schemas.openxmlformats.org/drawingml/2006/main" name="Office 테마">
   <a:themeElements>
